--- a/24-IZMUSOK.pptx
+++ b/24-IZMUSOK.pptx
@@ -13,6 +13,7 @@
     <p:sldId id="261" r:id="rId7"/>
     <p:sldId id="262" r:id="rId8"/>
     <p:sldId id="263" r:id="rId9"/>
+    <p:sldId id="264" r:id="rId10"/>
   </p:sldIdLst>
   <p:sldSz cx="12192000" cy="6858000"/>
   <p:notesSz cx="6858000" cy="9144000"/>
@@ -7064,6 +7065,254 @@
 </p:sld>
 </file>
 
+<file path=ppt/slides/slide9.xml><?xml version="1.0" encoding="utf-8"?>
+<p:sld xmlns:a="http://schemas.openxmlformats.org/drawingml/2006/main" xmlns:r="http://schemas.openxmlformats.org/officeDocument/2006/relationships" xmlns:p="http://schemas.openxmlformats.org/presentationml/2006/main">
+  <p:cSld>
+    <p:spTree>
+      <p:nvGrpSpPr>
+        <p:cNvPr id="1" name=""/>
+        <p:cNvGrpSpPr/>
+        <p:nvPr/>
+      </p:nvGrpSpPr>
+      <p:grpSpPr>
+        <a:xfrm>
+          <a:off x="0" y="0"/>
+          <a:ext cx="0" cy="0"/>
+          <a:chOff x="0" y="0"/>
+          <a:chExt cx="0" cy="0"/>
+        </a:xfrm>
+      </p:grpSpPr>
+      <p:pic>
+        <p:nvPicPr>
+          <p:cNvPr id="5" name="Kép 4">
+            <a:extLst>
+              <a:ext uri="{FF2B5EF4-FFF2-40B4-BE49-F238E27FC236}">
+                <a16:creationId xmlns:a16="http://schemas.microsoft.com/office/drawing/2014/main" id="{0F92895D-FD18-4431-9B53-FEBE8155F61B}"/>
+              </a:ext>
+            </a:extLst>
+          </p:cNvPr>
+          <p:cNvPicPr>
+            <a:picLocks noChangeAspect="1"/>
+          </p:cNvPicPr>
+          <p:nvPr/>
+        </p:nvPicPr>
+        <p:blipFill>
+          <a:blip r:embed="rId2">
+            <a:extLst>
+              <a:ext uri="{28A0092B-C50C-407E-A947-70E740481C1C}">
+                <a14:useLocalDpi xmlns:a14="http://schemas.microsoft.com/office/drawing/2010/main" val="0"/>
+              </a:ext>
+            </a:extLst>
+          </a:blip>
+          <a:stretch>
+            <a:fillRect/>
+          </a:stretch>
+        </p:blipFill>
+        <p:spPr>
+          <a:xfrm>
+            <a:off x="0" y="-1191940"/>
+            <a:ext cx="12192000" cy="8049940"/>
+          </a:xfrm>
+          <a:prstGeom prst="rect">
+            <a:avLst/>
+          </a:prstGeom>
+        </p:spPr>
+      </p:pic>
+      <p:sp>
+        <p:nvSpPr>
+          <p:cNvPr id="9" name="Szövegdoboz 8">
+            <a:extLst>
+              <a:ext uri="{FF2B5EF4-FFF2-40B4-BE49-F238E27FC236}">
+                <a16:creationId xmlns:a16="http://schemas.microsoft.com/office/drawing/2014/main" id="{1463A3D0-5B2F-4555-933A-2986A0CB2EF8}"/>
+              </a:ext>
+            </a:extLst>
+          </p:cNvPr>
+          <p:cNvSpPr txBox="1"/>
+          <p:nvPr/>
+        </p:nvSpPr>
+        <p:spPr>
+          <a:xfrm>
+            <a:off x="-8921131" y="-7492733"/>
+            <a:ext cx="7823200" cy="1323439"/>
+          </a:xfrm>
+          <a:prstGeom prst="rect">
+            <a:avLst/>
+          </a:prstGeom>
+          <a:noFill/>
+        </p:spPr>
+        <p:txBody>
+          <a:bodyPr wrap="square" rtlCol="0">
+            <a:spAutoFit/>
+          </a:bodyPr>
+          <a:lstStyle/>
+          <a:p>
+            <a:r>
+              <a:rPr lang="hu-HU" sz="4000" i="1" u="sng" dirty="0"/>
+              <a:t>Állam- és alkotmányos fogalmak</a:t>
+            </a:r>
+            <a:endParaRPr lang="hu-HU" sz="4000" dirty="0"/>
+          </a:p>
+          <a:p>
+            <a:endParaRPr lang="hu-HU" sz="4000" dirty="0"/>
+          </a:p>
+        </p:txBody>
+      </p:sp>
+      <p:sp>
+        <p:nvSpPr>
+          <p:cNvPr id="10" name="Szövegdoboz 9">
+            <a:extLst>
+              <a:ext uri="{FF2B5EF4-FFF2-40B4-BE49-F238E27FC236}">
+                <a16:creationId xmlns:a16="http://schemas.microsoft.com/office/drawing/2014/main" id="{D11FF8E0-1154-4158-B3AF-FD9399A6163A}"/>
+              </a:ext>
+            </a:extLst>
+          </p:cNvPr>
+          <p:cNvSpPr txBox="1"/>
+          <p:nvPr/>
+        </p:nvSpPr>
+        <p:spPr>
+          <a:xfrm>
+            <a:off x="-11746266" y="-2816156"/>
+            <a:ext cx="10648335" cy="5632311"/>
+          </a:xfrm>
+          <a:prstGeom prst="rect">
+            <a:avLst/>
+          </a:prstGeom>
+          <a:noFill/>
+        </p:spPr>
+        <p:txBody>
+          <a:bodyPr wrap="square" rtlCol="0">
+            <a:spAutoFit/>
+          </a:bodyPr>
+          <a:lstStyle/>
+          <a:p>
+            <a:r>
+              <a:rPr lang="hu-HU" dirty="0"/>
+              <a:t>Az </a:t>
+            </a:r>
+            <a:r>
+              <a:rPr lang="hu-HU" b="1" dirty="0"/>
+              <a:t>alkotmány</a:t>
+            </a:r>
+            <a:r>
+              <a:rPr lang="hu-HU" dirty="0"/>
+              <a:t> az állam (írott vagy íratlan) alaptörvénye, ami rögzíti az államformát, legfőbb állami szervezetek nevét és működési módját, az állampolgárok alapvető jogait és kötelességeit stb.</a:t>
+            </a:r>
+          </a:p>
+          <a:p>
+            <a:endParaRPr lang="hu-HU" dirty="0"/>
+          </a:p>
+          <a:p>
+            <a:r>
+              <a:rPr lang="hu-HU" dirty="0"/>
+              <a:t>A </a:t>
+            </a:r>
+            <a:r>
+              <a:rPr lang="hu-HU" b="1" dirty="0"/>
+              <a:t>parlamentarizmus</a:t>
+            </a:r>
+            <a:r>
+              <a:rPr lang="hu-HU" dirty="0"/>
+              <a:t> egy olyan államforma, ami három tényezőn alapszik, államfő, végrehajtó hatalom és a parlament.</a:t>
+            </a:r>
+          </a:p>
+          <a:p>
+            <a:endParaRPr lang="hu-HU" dirty="0"/>
+          </a:p>
+          <a:p>
+            <a:r>
+              <a:rPr lang="hu-HU" dirty="0"/>
+              <a:t>A </a:t>
+            </a:r>
+            <a:r>
+              <a:rPr lang="hu-HU" b="1" dirty="0"/>
+              <a:t>parlament</a:t>
+            </a:r>
+            <a:r>
+              <a:rPr lang="hu-HU" dirty="0"/>
+              <a:t> egy törvényhozó hatalom, ami több feladatot is ellát. Ilyen feladat a törvényhozás, alaptörvény megalkotás, végrehajtó hatalom felügyelete stb.</a:t>
+            </a:r>
+          </a:p>
+          <a:p>
+            <a:endParaRPr lang="hu-HU" dirty="0"/>
+          </a:p>
+          <a:p>
+            <a:r>
+              <a:rPr lang="hu-HU" dirty="0"/>
+              <a:t>Egy </a:t>
+            </a:r>
+            <a:r>
+              <a:rPr lang="hu-HU" b="1" dirty="0"/>
+              <a:t>képviseleti rendszerben</a:t>
+            </a:r>
+            <a:r>
+              <a:rPr lang="hu-HU" dirty="0"/>
+              <a:t> a nép által közvetlen vagy közvetve megválasztott képviselők kerülnek be a parlamentbe (törvényhozó hatalomba) és ott képviselik a csoport érdekeit stb.</a:t>
+            </a:r>
+          </a:p>
+          <a:p>
+            <a:endParaRPr lang="hu-HU" dirty="0"/>
+          </a:p>
+          <a:p>
+            <a:r>
+              <a:rPr lang="hu-HU" dirty="0"/>
+              <a:t>A </a:t>
+            </a:r>
+            <a:r>
+              <a:rPr lang="hu-HU" b="1" dirty="0"/>
+              <a:t>választójog</a:t>
+            </a:r>
+            <a:r>
+              <a:rPr lang="hu-HU" dirty="0"/>
+              <a:t> az állampolgárok azon joga, hogy részt vehetnek a képviselőválasztáson, illetve népszavazáson. Ezt lehet életkorhoz kötni, vagy cenzusos alapon szabályozni, azaz vagyoni helyzet vagy iskolázottsági szinthez szabni.</a:t>
+            </a:r>
+          </a:p>
+          <a:p>
+            <a:endParaRPr lang="hu-HU" dirty="0"/>
+          </a:p>
+          <a:p>
+            <a:r>
+              <a:rPr lang="hu-HU" dirty="0"/>
+              <a:t>A </a:t>
+            </a:r>
+            <a:r>
+              <a:rPr lang="hu-HU" b="1" dirty="0"/>
+              <a:t>hatalommegosztás</a:t>
+            </a:r>
+            <a:r>
+              <a:rPr lang="hu-HU" dirty="0"/>
+              <a:t> az önkényuralmi helyzet elkerülésére szolgált, azonban mostanság már arra értendő, hogy a törvényhozó, végrehajtó és bírói hatalmat el kell egymástól különíteni mind személyi vonatkozás, mind intézményi szinten.</a:t>
+            </a:r>
+          </a:p>
+          <a:p>
+            <a:endParaRPr lang="hu-HU" dirty="0"/>
+          </a:p>
+        </p:txBody>
+      </p:sp>
+    </p:spTree>
+    <p:extLst>
+      <p:ext uri="{BB962C8B-B14F-4D97-AF65-F5344CB8AC3E}">
+        <p14:creationId xmlns:p14="http://schemas.microsoft.com/office/powerpoint/2010/main" val="2899855315"/>
+      </p:ext>
+    </p:extLst>
+  </p:cSld>
+  <p:clrMapOvr>
+    <a:masterClrMapping/>
+  </p:clrMapOvr>
+  <mc:AlternateContent xmlns:mc="http://schemas.openxmlformats.org/markup-compatibility/2006" xmlns:p159="http://schemas.microsoft.com/office/powerpoint/2015/09/main">
+    <mc:Choice Requires="p159">
+      <p:transition xmlns:p14="http://schemas.microsoft.com/office/powerpoint/2010/main" spd="slow" p14:dur="2000">
+        <p159:morph option="byObject"/>
+      </p:transition>
+    </mc:Choice>
+    <mc:Fallback xmlns="">
+      <p:transition spd="slow">
+        <p:fade/>
+      </p:transition>
+    </mc:Fallback>
+  </mc:AlternateContent>
+</p:sld>
+</file>
+
 <file path=ppt/theme/theme1.xml><?xml version="1.0" encoding="utf-8"?>
 <a:theme xmlns:a="http://schemas.openxmlformats.org/drawingml/2006/main" name="Office-téma">
   <a:themeElements>
